--- a/[Marketing_Science] Template.pptx
+++ b/[Marketing_Science] Template.pptx
@@ -5,17 +5,16 @@
     <p:sldMasterId id="2147483648" r:id="rId1"/>
   </p:sldMasterIdLst>
   <p:notesMasterIdLst>
-    <p:notesMasterId r:id="rId7"/>
+    <p:notesMasterId r:id="rId6"/>
   </p:notesMasterIdLst>
   <p:handoutMasterIdLst>
-    <p:handoutMasterId r:id="rId8"/>
+    <p:handoutMasterId r:id="rId7"/>
   </p:handoutMasterIdLst>
   <p:sldIdLst>
     <p:sldId id="265" r:id="rId2"/>
     <p:sldId id="260" r:id="rId3"/>
     <p:sldId id="261" r:id="rId4"/>
-    <p:sldId id="262" r:id="rId5"/>
-    <p:sldId id="264" r:id="rId6"/>
+    <p:sldId id="264" r:id="rId5"/>
   </p:sldIdLst>
   <p:sldSz cx="12192000" cy="6858000"/>
   <p:notesSz cx="6858000" cy="9144000"/>
@@ -267,7 +266,7 @@
       <p15:notesGuideLst xmlns:p15="http://schemas.microsoft.com/office/powerpoint/2012/main"/>
     </p:ext>
     <p:ext uri="GoogleSlidesCustomDataVersion2">
-      <go:slidesCustomData xmlns="" xmlns:mc="http://schemas.openxmlformats.org/markup-compatibility/2006" xmlns:mv="urn:schemas-microsoft-com:mac:vml" xmlns:c="http://schemas.openxmlformats.org/drawingml/2006/chart" xmlns:dgm="http://schemas.openxmlformats.org/drawingml/2006/diagram" xmlns:o="urn:schemas-microsoft-com:office:office" xmlns:v="urn:schemas-microsoft-com:vml" xmlns:pvml="urn:schemas-microsoft-com:office:powerpoint" xmlns:com="http://schemas.openxmlformats.org/drawingml/2006/compatibility" xmlns:p14="http://schemas.microsoft.com/office/powerpoint/2010/main" xmlns:p15="http://schemas.microsoft.com/office/powerpoint/2012/main" xmlns:ahyp="http://schemas.microsoft.com/office/drawing/2018/hyperlinkcolor" xmlns:go="http://customooxmlschemas.google.com/" r:id="rId13" roundtripDataSignature="AMtx7mjBp3+63KxC81d/Yygdnn5EtmbRpA=="/>
+      <go:slidesCustomData xmlns:go="http://customooxmlschemas.google.com/" xmlns:ahyp="http://schemas.microsoft.com/office/drawing/2018/hyperlinkcolor" xmlns:p15="http://schemas.microsoft.com/office/powerpoint/2012/main" xmlns:p14="http://schemas.microsoft.com/office/powerpoint/2010/main" xmlns:com="http://schemas.openxmlformats.org/drawingml/2006/compatibility" xmlns:pvml="urn:schemas-microsoft-com:office:powerpoint" xmlns:v="urn:schemas-microsoft-com:vml" xmlns:o="urn:schemas-microsoft-com:office:office" xmlns:dgm="http://schemas.openxmlformats.org/drawingml/2006/diagram" xmlns:c="http://schemas.openxmlformats.org/drawingml/2006/chart" xmlns:mv="urn:schemas-microsoft-com:mac:vml" xmlns:mc="http://schemas.openxmlformats.org/markup-compatibility/2006" xmlns="" r:id="rId13" roundtripDataSignature="AMtx7mjBp3+63KxC81d/Yygdnn5EtmbRpA=="/>
     </p:ext>
   </p:extLst>
 </p:presentation>
@@ -367,7 +366,7 @@
           <a:p>
             <a:fld id="{6DC52286-19E5-4680-8E66-FB34E52F246B}" type="datetimeFigureOut">
               <a:rPr lang="ko-KR" altLang="en-US" smtClean="0"/>
-              <a:t>2025-03-02</a:t>
+              <a:t>2025-03-03</a:t>
             </a:fld>
             <a:endParaRPr lang="ko-KR" altLang="en-US"/>
           </a:p>
@@ -6384,7 +6383,7 @@
           <a:bodyPr/>
           <a:lstStyle/>
           <a:p>
-            <a:endParaRPr kumimoji="1" lang="ko-KR" altLang="en-US"/>
+            <a:endParaRPr kumimoji="1" lang="ko-KR" altLang="en-US" dirty="0"/>
           </a:p>
         </p:txBody>
       </p:sp>
@@ -6578,37 +6577,7 @@
           </a:bodyPr>
           <a:lstStyle/>
           <a:p>
-            <a:endParaRPr kumimoji="1" lang="ko-KR" altLang="en-US"/>
-          </a:p>
-        </p:txBody>
-      </p:sp>
-      <p:sp>
-        <p:nvSpPr>
-          <p:cNvPr id="3" name="내용 개체 틀 2">
-            <a:extLst>
-              <a:ext uri="{FF2B5EF4-FFF2-40B4-BE49-F238E27FC236}">
-                <a16:creationId xmlns:a16="http://schemas.microsoft.com/office/drawing/2014/main" id="{5C71C600-16E3-6ACE-A677-268BD3E79E95}"/>
-              </a:ext>
-            </a:extLst>
-          </p:cNvPr>
-          <p:cNvSpPr>
-            <a:spLocks noGrp="1"/>
-          </p:cNvSpPr>
-          <p:nvPr>
-            <p:ph idx="4294967295"/>
-          </p:nvPr>
-        </p:nvSpPr>
-        <p:spPr>
-          <a:xfrm>
-            <a:off x="366250" y="957099"/>
-            <a:ext cx="11396817" cy="5417570"/>
-          </a:xfrm>
-        </p:spPr>
-        <p:txBody>
-          <a:bodyPr/>
-          <a:lstStyle/>
-          <a:p>
-            <a:endParaRPr kumimoji="1" lang="ko-KR" altLang="en-US"/>
+            <a:endParaRPr kumimoji="1" lang="ko-KR" altLang="en-US" dirty="0"/>
           </a:p>
         </p:txBody>
       </p:sp>
@@ -6674,153 +6643,6 @@
       </p:grpSpPr>
       <p:sp>
         <p:nvSpPr>
-          <p:cNvPr id="2" name="내용 개체 틀 1">
-            <a:extLst>
-              <a:ext uri="{FF2B5EF4-FFF2-40B4-BE49-F238E27FC236}">
-                <a16:creationId xmlns:a16="http://schemas.microsoft.com/office/drawing/2014/main" id="{AF37E8AF-2E7F-7BDE-6276-0F58A42D58AF}"/>
-              </a:ext>
-            </a:extLst>
-          </p:cNvPr>
-          <p:cNvSpPr>
-            <a:spLocks noGrp="1"/>
-          </p:cNvSpPr>
-          <p:nvPr>
-            <p:ph idx="4294967295"/>
-          </p:nvPr>
-        </p:nvSpPr>
-        <p:spPr>
-          <a:xfrm>
-            <a:off x="366251" y="983225"/>
-            <a:ext cx="5580000" cy="5417570"/>
-          </a:xfrm>
-        </p:spPr>
-        <p:txBody>
-          <a:bodyPr/>
-          <a:lstStyle/>
-          <a:p>
-            <a:endParaRPr kumimoji="1" lang="ko-KR" altLang="en-US"/>
-          </a:p>
-        </p:txBody>
-      </p:sp>
-      <p:sp>
-        <p:nvSpPr>
-          <p:cNvPr id="3" name="내용 개체 틀 2">
-            <a:extLst>
-              <a:ext uri="{FF2B5EF4-FFF2-40B4-BE49-F238E27FC236}">
-                <a16:creationId xmlns:a16="http://schemas.microsoft.com/office/drawing/2014/main" id="{38E96D23-91FB-20F6-B998-77E3EEB2614F}"/>
-              </a:ext>
-            </a:extLst>
-          </p:cNvPr>
-          <p:cNvSpPr>
-            <a:spLocks noGrp="1"/>
-          </p:cNvSpPr>
-          <p:nvPr>
-            <p:ph idx="4294967295"/>
-          </p:nvPr>
-        </p:nvSpPr>
-        <p:spPr>
-          <a:xfrm>
-            <a:off x="6183068" y="979861"/>
-            <a:ext cx="5580000" cy="5417570"/>
-          </a:xfrm>
-        </p:spPr>
-        <p:txBody>
-          <a:bodyPr/>
-          <a:lstStyle/>
-          <a:p>
-            <a:endParaRPr kumimoji="1" lang="ko-KR" altLang="en-US"/>
-          </a:p>
-        </p:txBody>
-      </p:sp>
-      <p:sp>
-        <p:nvSpPr>
-          <p:cNvPr id="4" name="제목 3">
-            <a:extLst>
-              <a:ext uri="{FF2B5EF4-FFF2-40B4-BE49-F238E27FC236}">
-                <a16:creationId xmlns:a16="http://schemas.microsoft.com/office/drawing/2014/main" id="{D9DBB2A7-A7CC-B36A-31AC-A7DDD69BF42D}"/>
-              </a:ext>
-            </a:extLst>
-          </p:cNvPr>
-          <p:cNvSpPr>
-            <a:spLocks noGrp="1"/>
-          </p:cNvSpPr>
-          <p:nvPr>
-            <p:ph type="title"/>
-          </p:nvPr>
-        </p:nvSpPr>
-        <p:spPr/>
-        <p:txBody>
-          <a:bodyPr>
-            <a:normAutofit fontScale="90000"/>
-          </a:bodyPr>
-          <a:lstStyle/>
-          <a:p>
-            <a:endParaRPr kumimoji="1" lang="ko-KR" altLang="en-US"/>
-          </a:p>
-        </p:txBody>
-      </p:sp>
-      <p:sp>
-        <p:nvSpPr>
-          <p:cNvPr id="5" name="슬라이드 번호 개체 틀 4">
-            <a:extLst>
-              <a:ext uri="{FF2B5EF4-FFF2-40B4-BE49-F238E27FC236}">
-                <a16:creationId xmlns:a16="http://schemas.microsoft.com/office/drawing/2014/main" id="{96160564-E544-A35A-DB77-E104888C2D30}"/>
-              </a:ext>
-            </a:extLst>
-          </p:cNvPr>
-          <p:cNvSpPr>
-            <a:spLocks noGrp="1"/>
-          </p:cNvSpPr>
-          <p:nvPr>
-            <p:ph type="sldNum" sz="quarter" idx="12"/>
-          </p:nvPr>
-        </p:nvSpPr>
-        <p:spPr/>
-        <p:txBody>
-          <a:bodyPr/>
-          <a:lstStyle/>
-          <a:p>
-            <a:fld id="{0D200F16-87CA-8049-8FD3-58C2E7ABDFA4}" type="slidenum">
-              <a:rPr kumimoji="1" lang="ko-KR" altLang="en-US" smtClean="0"/>
-              <a:pPr/>
-              <a:t>3</a:t>
-            </a:fld>
-            <a:endParaRPr kumimoji="1" lang="ko-KR" altLang="en-US"/>
-          </a:p>
-        </p:txBody>
-      </p:sp>
-    </p:spTree>
-    <p:extLst>
-      <p:ext uri="{BB962C8B-B14F-4D97-AF65-F5344CB8AC3E}">
-        <p14:creationId xmlns:p14="http://schemas.microsoft.com/office/powerpoint/2010/main" val="4076475369"/>
-      </p:ext>
-    </p:extLst>
-  </p:cSld>
-  <p:clrMapOvr>
-    <a:masterClrMapping/>
-  </p:clrMapOvr>
-</p:sld>
-</file>
-
-<file path=ppt/slides/slide5.xml><?xml version="1.0" encoding="utf-8"?>
-<p:sld xmlns:a="http://schemas.openxmlformats.org/drawingml/2006/main" xmlns:r="http://schemas.openxmlformats.org/officeDocument/2006/relationships" xmlns:p="http://schemas.openxmlformats.org/presentationml/2006/main">
-  <p:cSld>
-    <p:spTree>
-      <p:nvGrpSpPr>
-        <p:cNvPr id="1" name=""/>
-        <p:cNvGrpSpPr/>
-        <p:nvPr/>
-      </p:nvGrpSpPr>
-      <p:grpSpPr>
-        <a:xfrm>
-          <a:off x="0" y="0"/>
-          <a:ext cx="0" cy="0"/>
-          <a:chOff x="0" y="0"/>
-          <a:chExt cx="0" cy="0"/>
-        </a:xfrm>
-      </p:grpSpPr>
-      <p:sp>
-        <p:nvSpPr>
           <p:cNvPr id="3" name="슬라이드 번호 개체 틀 2">
             <a:extLst>
               <a:ext uri="{FF2B5EF4-FFF2-40B4-BE49-F238E27FC236}">
@@ -6842,7 +6664,7 @@
           <a:p>
             <a:fld id="{0D200F16-87CA-8049-8FD3-58C2E7ABDFA4}" type="slidenum">
               <a:rPr kumimoji="1" lang="ko-KR" altLang="en-US" smtClean="0"/>
-              <a:t>4</a:t>
+              <a:t>3</a:t>
             </a:fld>
             <a:endParaRPr kumimoji="1" lang="ko-KR" altLang="en-US"/>
           </a:p>
